--- a/05 - Features/features-and-imputation.pptx
+++ b/05 - Features/features-and-imputation.pptx
@@ -269,7 +269,7 @@
       <p15:sldGuideLst xmlns:p15="http://schemas.microsoft.com/office/powerpoint/2012/main"/>
     </p:ext>
     <p:ext uri="http://customooxmlschemas.google.com/">
-      <go:slidesCustomData xmlns:go="http://customooxmlschemas.google.com/" xmlns:p15="http://schemas.microsoft.com/office/powerpoint/2012/main" xmlns:p14="http://schemas.microsoft.com/office/powerpoint/2010/main" xmlns:com="http://schemas.openxmlformats.org/drawingml/2006/compatibility" xmlns:pvml="urn:schemas-microsoft-com:office:powerpoint" xmlns:v="urn:schemas-microsoft-com:vml" xmlns:o="urn:schemas-microsoft-com:office:office" xmlns:dgm="http://schemas.openxmlformats.org/drawingml/2006/diagram" xmlns:c="http://schemas.openxmlformats.org/drawingml/2006/chart" xmlns:mv="urn:schemas-microsoft-com:mac:vml" xmlns:mc="http://schemas.openxmlformats.org/markup-compatibility/2006" xmlns="" r:id="rId40" roundtripDataSignature="AMtx7mjFyVUGRZWio+dc9dxzYsimUxNJbg=="/>
+      <go:slidesCustomData xmlns="" xmlns:mc="http://schemas.openxmlformats.org/markup-compatibility/2006" xmlns:mv="urn:schemas-microsoft-com:mac:vml" xmlns:c="http://schemas.openxmlformats.org/drawingml/2006/chart" xmlns:dgm="http://schemas.openxmlformats.org/drawingml/2006/diagram" xmlns:o="urn:schemas-microsoft-com:office:office" xmlns:v="urn:schemas-microsoft-com:vml" xmlns:pvml="urn:schemas-microsoft-com:office:powerpoint" xmlns:com="http://schemas.openxmlformats.org/drawingml/2006/compatibility" xmlns:p14="http://schemas.microsoft.com/office/powerpoint/2010/main" xmlns:p15="http://schemas.microsoft.com/office/powerpoint/2012/main" xmlns:go="http://customooxmlschemas.google.com/" r:id="rId40" roundtripDataSignature="AMtx7mjFyVUGRZWio+dc9dxzYsimUxNJbg=="/>
     </p:ext>
   </p:extLst>
 </p:presentation>
@@ -1044,7 +1044,7 @@
         <a:lstStyle/>
         <a:p>
           <a:r>
-            <a:rPr lang="en-US" sz="2000" dirty="0"/>
+            <a:rPr lang="en-US" sz="1600" dirty="0"/>
             <a:t>Come up with Feature Ideas</a:t>
           </a:r>
         </a:p>
@@ -1080,7 +1080,7 @@
         <a:lstStyle/>
         <a:p>
           <a:r>
-            <a:rPr lang="en-US" sz="2000" dirty="0"/>
+            <a:rPr lang="en-US" sz="1600" dirty="0"/>
             <a:t>Implement Features</a:t>
           </a:r>
         </a:p>
@@ -1116,7 +1116,7 @@
         <a:lstStyle/>
         <a:p>
           <a:r>
-            <a:rPr lang="en-US" sz="2000" dirty="0"/>
+            <a:rPr lang="en-US" sz="1800" dirty="0"/>
             <a:t>Test Results in ML Pipeline</a:t>
           </a:r>
         </a:p>
@@ -1153,19 +1153,7 @@
         <a:p>
           <a:r>
             <a:rPr lang="en-US" sz="2000" dirty="0"/>
-            <a:t>Discard</a:t>
-          </a:r>
-        </a:p>
-        <a:p>
-          <a:r>
-            <a:rPr lang="en-US" sz="2000" dirty="0"/>
-            <a:t>or</a:t>
-          </a:r>
-        </a:p>
-        <a:p>
-          <a:r>
-            <a:rPr lang="en-US" sz="2000" dirty="0"/>
-            <a:t>Keep</a:t>
+            <a:t>Discard or Keep</a:t>
           </a:r>
         </a:p>
       </dgm:t>
@@ -1322,8 +1310,8 @@
       </dsp:nvSpPr>
       <dsp:spPr>
         <a:xfrm>
-          <a:off x="3243621" y="33382"/>
-          <a:ext cx="1730285" cy="1651931"/>
+          <a:off x="2857894" y="24372"/>
+          <a:ext cx="1302942" cy="1243940"/>
         </a:xfrm>
         <a:prstGeom prst="ellipse">
           <a:avLst/>
@@ -1370,12 +1358,12 @@
         </a:fontRef>
       </dsp:style>
       <dsp:txBody>
-        <a:bodyPr spcFirstLastPara="0" vert="horz" wrap="square" lIns="25400" tIns="25400" rIns="25400" bIns="25400" numCol="1" spcCol="1270" anchor="ctr" anchorCtr="0">
+        <a:bodyPr spcFirstLastPara="0" vert="horz" wrap="square" lIns="20320" tIns="20320" rIns="20320" bIns="20320" numCol="1" spcCol="1270" anchor="ctr" anchorCtr="0">
           <a:noAutofit/>
         </a:bodyPr>
         <a:lstStyle/>
         <a:p>
-          <a:pPr marL="0" lvl="0" indent="0" algn="ctr" defTabSz="889000">
+          <a:pPr marL="0" lvl="0" indent="0" algn="ctr" defTabSz="711200">
             <a:lnSpc>
               <a:spcPct val="90000"/>
             </a:lnSpc>
@@ -1388,14 +1376,14 @@
             <a:buNone/>
           </a:pPr>
           <a:r>
-            <a:rPr lang="en-US" sz="2000" kern="1200" dirty="0"/>
+            <a:rPr lang="en-US" sz="1600" kern="1200" dirty="0"/>
             <a:t>Come up with Feature Ideas</a:t>
           </a:r>
         </a:p>
       </dsp:txBody>
       <dsp:txXfrm>
-        <a:off x="3497015" y="275302"/>
-        <a:ext cx="1223497" cy="1168091"/>
+        <a:off x="3048705" y="206543"/>
+        <a:ext cx="921320" cy="879598"/>
       </dsp:txXfrm>
     </dsp:sp>
     <dsp:sp modelId="{BADC132D-438F-254E-B43D-E9D312B11D27}">
@@ -1405,8 +1393,8 @@
       </dsp:nvSpPr>
       <dsp:spPr>
         <a:xfrm rot="2700000">
-          <a:off x="4769043" y="1436351"/>
-          <a:ext cx="427440" cy="593991"/>
+          <a:off x="4006612" y="1081025"/>
+          <a:ext cx="322160" cy="447288"/>
         </a:xfrm>
         <a:prstGeom prst="rightArrow">
           <a:avLst>
@@ -1454,7 +1442,7 @@
         </a:bodyPr>
         <a:lstStyle/>
         <a:p>
-          <a:pPr marL="0" lvl="0" indent="0" algn="ctr" defTabSz="1200150">
+          <a:pPr marL="0" lvl="0" indent="0" algn="ctr" defTabSz="889000">
             <a:lnSpc>
               <a:spcPct val="90000"/>
             </a:lnSpc>
@@ -1466,12 +1454,12 @@
             </a:spcAft>
             <a:buNone/>
           </a:pPr>
-          <a:endParaRPr lang="en-US" sz="2700" kern="1200"/>
+          <a:endParaRPr lang="en-US" sz="2000" kern="1200"/>
         </a:p>
       </dsp:txBody>
       <dsp:txXfrm>
-        <a:off x="4787822" y="1509812"/>
-        <a:ext cx="299208" cy="356395"/>
+        <a:off x="4020766" y="1136313"/>
+        <a:ext cx="225512" cy="268372"/>
       </dsp:txXfrm>
     </dsp:sp>
     <dsp:sp modelId="{C416D91B-292C-E542-87D5-DEA62EC9B70E}">
@@ -1481,8 +1469,8 @@
       </dsp:nvSpPr>
       <dsp:spPr>
         <a:xfrm>
-          <a:off x="4956685" y="1762990"/>
-          <a:ext cx="2043350" cy="1931908"/>
+          <a:off x="4148253" y="1327189"/>
+          <a:ext cx="1538687" cy="1454768"/>
         </a:xfrm>
         <a:prstGeom prst="ellipse">
           <a:avLst/>
@@ -1529,12 +1517,12 @@
         </a:fontRef>
       </dsp:style>
       <dsp:txBody>
-        <a:bodyPr spcFirstLastPara="0" vert="horz" wrap="square" lIns="25400" tIns="25400" rIns="25400" bIns="25400" numCol="1" spcCol="1270" anchor="ctr" anchorCtr="0">
+        <a:bodyPr spcFirstLastPara="0" vert="horz" wrap="square" lIns="20320" tIns="20320" rIns="20320" bIns="20320" numCol="1" spcCol="1270" anchor="ctr" anchorCtr="0">
           <a:noAutofit/>
         </a:bodyPr>
         <a:lstStyle/>
         <a:p>
-          <a:pPr marL="0" lvl="0" indent="0" algn="ctr" defTabSz="889000">
+          <a:pPr marL="0" lvl="0" indent="0" algn="ctr" defTabSz="711200">
             <a:lnSpc>
               <a:spcPct val="90000"/>
             </a:lnSpc>
@@ -1547,14 +1535,14 @@
             <a:buNone/>
           </a:pPr>
           <a:r>
-            <a:rPr lang="en-US" sz="2000" kern="1200" dirty="0"/>
+            <a:rPr lang="en-US" sz="1600" kern="1200" dirty="0"/>
             <a:t>Implement Features</a:t>
           </a:r>
         </a:p>
       </dsp:txBody>
       <dsp:txXfrm>
-        <a:off x="5255927" y="2045911"/>
-        <a:ext cx="1444866" cy="1366066"/>
+        <a:off x="4373588" y="1540235"/>
+        <a:ext cx="1088017" cy="1028676"/>
       </dsp:txXfrm>
     </dsp:sp>
     <dsp:sp modelId="{08BF4C04-F962-A84F-8846-0230D12E3AB8}">
@@ -1564,8 +1552,8 @@
       </dsp:nvSpPr>
       <dsp:spPr>
         <a:xfrm rot="8100000">
-          <a:off x="4860067" y="3368740"/>
-          <a:ext cx="363001" cy="593991"/>
+          <a:off x="4075167" y="2536540"/>
+          <a:ext cx="273636" cy="447288"/>
         </a:xfrm>
         <a:prstGeom prst="rightArrow">
           <a:avLst>
@@ -1613,7 +1601,7 @@
         </a:bodyPr>
         <a:lstStyle/>
         <a:p>
-          <a:pPr marL="0" lvl="0" indent="0" algn="ctr" defTabSz="1200150">
+          <a:pPr marL="0" lvl="0" indent="0" algn="ctr" defTabSz="889000">
             <a:lnSpc>
               <a:spcPct val="90000"/>
             </a:lnSpc>
@@ -1625,12 +1613,12 @@
             </a:spcAft>
             <a:buNone/>
           </a:pPr>
-          <a:endParaRPr lang="en-US" sz="2700" kern="1200"/>
+          <a:endParaRPr lang="en-US" sz="2000" kern="1200"/>
         </a:p>
       </dsp:txBody>
       <dsp:txXfrm rot="10800000">
-        <a:off x="4953019" y="3449036"/>
-        <a:ext cx="254101" cy="356395"/>
+        <a:off x="4145236" y="2596974"/>
+        <a:ext cx="191545" cy="268372"/>
       </dsp:txXfrm>
     </dsp:sp>
     <dsp:sp modelId="{7FB53688-E9C7-EB46-8450-86DB276964BF}">
@@ -1640,8 +1628,167 @@
       </dsp:nvSpPr>
       <dsp:spPr>
         <a:xfrm>
-          <a:off x="3093900" y="3674165"/>
-          <a:ext cx="2029727" cy="1848749"/>
+          <a:off x="2745150" y="2766731"/>
+          <a:ext cx="1528429" cy="1392148"/>
+        </a:xfrm>
+        <a:prstGeom prst="ellipse">
+          <a:avLst/>
+        </a:prstGeom>
+        <a:solidFill>
+          <a:schemeClr val="accent5">
+            <a:hueOff val="0"/>
+            <a:satOff val="0"/>
+            <a:lumOff val="0"/>
+            <a:alphaOff val="0"/>
+          </a:schemeClr>
+        </a:solidFill>
+        <a:ln w="38100" cap="flat" cmpd="sng" algn="ctr">
+          <a:solidFill>
+            <a:schemeClr val="lt1">
+              <a:hueOff val="0"/>
+              <a:satOff val="0"/>
+              <a:lumOff val="0"/>
+              <a:alphaOff val="0"/>
+            </a:schemeClr>
+          </a:solidFill>
+          <a:prstDash val="solid"/>
+        </a:ln>
+        <a:effectLst>
+          <a:outerShdw blurRad="40000" dist="20000" dir="5400000" rotWithShape="0">
+            <a:srgbClr val="000000">
+              <a:alpha val="38000"/>
+            </a:srgbClr>
+          </a:outerShdw>
+        </a:effectLst>
+      </dsp:spPr>
+      <dsp:style>
+        <a:lnRef idx="3">
+          <a:scrgbClr r="0" g="0" b="0"/>
+        </a:lnRef>
+        <a:fillRef idx="1">
+          <a:scrgbClr r="0" g="0" b="0"/>
+        </a:fillRef>
+        <a:effectRef idx="1">
+          <a:scrgbClr r="0" g="0" b="0"/>
+        </a:effectRef>
+        <a:fontRef idx="minor">
+          <a:schemeClr val="lt1"/>
+        </a:fontRef>
+      </dsp:style>
+      <dsp:txBody>
+        <a:bodyPr spcFirstLastPara="0" vert="horz" wrap="square" lIns="0" tIns="22860" rIns="0" bIns="22860" numCol="1" spcCol="1270" anchor="ctr" anchorCtr="0">
+          <a:noAutofit/>
+        </a:bodyPr>
+        <a:lstStyle/>
+        <a:p>
+          <a:pPr marL="0" lvl="0" indent="0" algn="ctr" defTabSz="800100">
+            <a:lnSpc>
+              <a:spcPct val="90000"/>
+            </a:lnSpc>
+            <a:spcBef>
+              <a:spcPct val="0"/>
+            </a:spcBef>
+            <a:spcAft>
+              <a:spcPct val="35000"/>
+            </a:spcAft>
+            <a:buNone/>
+          </a:pPr>
+          <a:r>
+            <a:rPr lang="en-US" sz="1800" kern="1200" dirty="0"/>
+            <a:t>Test Results in ML Pipeline</a:t>
+          </a:r>
+        </a:p>
+      </dsp:txBody>
+      <dsp:txXfrm>
+        <a:off x="2968983" y="2970606"/>
+        <a:ext cx="1080763" cy="984398"/>
+      </dsp:txXfrm>
+    </dsp:sp>
+    <dsp:sp modelId="{6C03D29D-6D1B-D144-9F79-CE7E97FAEAFF}">
+      <dsp:nvSpPr>
+        <dsp:cNvPr id="0" name=""/>
+        <dsp:cNvSpPr/>
+      </dsp:nvSpPr>
+      <dsp:spPr>
+        <a:xfrm rot="13500000">
+          <a:off x="2690444" y="2552888"/>
+          <a:ext cx="265297" cy="447288"/>
+        </a:xfrm>
+        <a:prstGeom prst="rightArrow">
+          <a:avLst>
+            <a:gd name="adj1" fmla="val 60000"/>
+            <a:gd name="adj2" fmla="val 50000"/>
+          </a:avLst>
+        </a:prstGeom>
+        <a:solidFill>
+          <a:schemeClr val="accent5">
+            <a:tint val="60000"/>
+            <a:hueOff val="0"/>
+            <a:satOff val="0"/>
+            <a:lumOff val="0"/>
+            <a:alphaOff val="0"/>
+          </a:schemeClr>
+        </a:solidFill>
+        <a:ln>
+          <a:noFill/>
+        </a:ln>
+        <a:effectLst>
+          <a:outerShdw blurRad="40000" dist="20000" dir="5400000" rotWithShape="0">
+            <a:srgbClr val="000000">
+              <a:alpha val="38000"/>
+            </a:srgbClr>
+          </a:outerShdw>
+        </a:effectLst>
+      </dsp:spPr>
+      <dsp:style>
+        <a:lnRef idx="0">
+          <a:scrgbClr r="0" g="0" b="0"/>
+        </a:lnRef>
+        <a:fillRef idx="1">
+          <a:scrgbClr r="0" g="0" b="0"/>
+        </a:fillRef>
+        <a:effectRef idx="1">
+          <a:scrgbClr r="0" g="0" b="0"/>
+        </a:effectRef>
+        <a:fontRef idx="minor">
+          <a:schemeClr val="lt1"/>
+        </a:fontRef>
+      </dsp:style>
+      <dsp:txBody>
+        <a:bodyPr spcFirstLastPara="0" vert="horz" wrap="square" lIns="0" tIns="0" rIns="0" bIns="0" numCol="1" spcCol="1270" anchor="ctr" anchorCtr="0">
+          <a:noAutofit/>
+        </a:bodyPr>
+        <a:lstStyle/>
+        <a:p>
+          <a:pPr marL="0" lvl="0" indent="0" algn="ctr" defTabSz="889000">
+            <a:lnSpc>
+              <a:spcPct val="90000"/>
+            </a:lnSpc>
+            <a:spcBef>
+              <a:spcPct val="0"/>
+            </a:spcBef>
+            <a:spcAft>
+              <a:spcPct val="35000"/>
+            </a:spcAft>
+            <a:buNone/>
+          </a:pPr>
+          <a:endParaRPr lang="en-US" sz="2000" kern="1200"/>
+        </a:p>
+      </dsp:txBody>
+      <dsp:txXfrm rot="10800000">
+        <a:off x="2758377" y="2670485"/>
+        <a:ext cx="185708" cy="268372"/>
+      </dsp:txXfrm>
+    </dsp:sp>
+    <dsp:sp modelId="{D7EBC052-ED42-F14B-9C38-1DE104A3278B}">
+      <dsp:nvSpPr>
+        <dsp:cNvPr id="0" name=""/>
+        <dsp:cNvSpPr/>
+      </dsp:nvSpPr>
+      <dsp:spPr>
+        <a:xfrm>
+          <a:off x="1326535" y="1302253"/>
+          <a:ext cx="1549196" cy="1504640"/>
         </a:xfrm>
         <a:prstGeom prst="ellipse">
           <a:avLst/>
@@ -1707,24 +1854,24 @@
           </a:pPr>
           <a:r>
             <a:rPr lang="en-US" sz="2000" kern="1200" dirty="0"/>
-            <a:t>Test Results in ML Pipeline</a:t>
+            <a:t>Discard or Keep</a:t>
           </a:r>
         </a:p>
       </dsp:txBody>
       <dsp:txXfrm>
-        <a:off x="3391147" y="3944908"/>
-        <a:ext cx="1435233" cy="1307263"/>
+        <a:off x="1553410" y="1522602"/>
+        <a:ext cx="1095446" cy="1063942"/>
       </dsp:txXfrm>
     </dsp:sp>
-    <dsp:sp modelId="{6C03D29D-6D1B-D144-9F79-CE7E97FAEAFF}">
+    <dsp:sp modelId="{07AB3ADD-E4C5-A04D-B5B1-BE3942CAC30E}">
       <dsp:nvSpPr>
         <dsp:cNvPr id="0" name=""/>
         <dsp:cNvSpPr/>
       </dsp:nvSpPr>
       <dsp:spPr>
-        <a:xfrm rot="13500000">
-          <a:off x="3021690" y="3390434"/>
-          <a:ext cx="351928" cy="593991"/>
+        <a:xfrm rot="18900000">
+          <a:off x="2686962" y="1088190"/>
+          <a:ext cx="313821" cy="447288"/>
         </a:xfrm>
         <a:prstGeom prst="rightArrow">
           <a:avLst>
@@ -1772,86 +1919,6 @@
         </a:bodyPr>
         <a:lstStyle/>
         <a:p>
-          <a:pPr marL="0" lvl="0" indent="0" algn="ctr" defTabSz="1200150">
-            <a:lnSpc>
-              <a:spcPct val="90000"/>
-            </a:lnSpc>
-            <a:spcBef>
-              <a:spcPct val="0"/>
-            </a:spcBef>
-            <a:spcAft>
-              <a:spcPct val="35000"/>
-            </a:spcAft>
-            <a:buNone/>
-          </a:pPr>
-          <a:endParaRPr lang="en-US" sz="2700" kern="1200"/>
-        </a:p>
-      </dsp:txBody>
-      <dsp:txXfrm rot="10800000">
-        <a:off x="3111806" y="3546559"/>
-        <a:ext cx="246350" cy="356395"/>
-      </dsp:txXfrm>
-    </dsp:sp>
-    <dsp:sp modelId="{D7EBC052-ED42-F14B-9C38-1DE104A3278B}">
-      <dsp:nvSpPr>
-        <dsp:cNvPr id="0" name=""/>
-        <dsp:cNvSpPr/>
-      </dsp:nvSpPr>
-      <dsp:spPr>
-        <a:xfrm>
-          <a:off x="1210514" y="1729876"/>
-          <a:ext cx="2057306" cy="1998136"/>
-        </a:xfrm>
-        <a:prstGeom prst="ellipse">
-          <a:avLst/>
-        </a:prstGeom>
-        <a:solidFill>
-          <a:schemeClr val="accent5">
-            <a:hueOff val="0"/>
-            <a:satOff val="0"/>
-            <a:lumOff val="0"/>
-            <a:alphaOff val="0"/>
-          </a:schemeClr>
-        </a:solidFill>
-        <a:ln w="38100" cap="flat" cmpd="sng" algn="ctr">
-          <a:solidFill>
-            <a:schemeClr val="lt1">
-              <a:hueOff val="0"/>
-              <a:satOff val="0"/>
-              <a:lumOff val="0"/>
-              <a:alphaOff val="0"/>
-            </a:schemeClr>
-          </a:solidFill>
-          <a:prstDash val="solid"/>
-        </a:ln>
-        <a:effectLst>
-          <a:outerShdw blurRad="40000" dist="20000" dir="5400000" rotWithShape="0">
-            <a:srgbClr val="000000">
-              <a:alpha val="38000"/>
-            </a:srgbClr>
-          </a:outerShdw>
-        </a:effectLst>
-      </dsp:spPr>
-      <dsp:style>
-        <a:lnRef idx="3">
-          <a:scrgbClr r="0" g="0" b="0"/>
-        </a:lnRef>
-        <a:fillRef idx="1">
-          <a:scrgbClr r="0" g="0" b="0"/>
-        </a:fillRef>
-        <a:effectRef idx="1">
-          <a:scrgbClr r="0" g="0" b="0"/>
-        </a:effectRef>
-        <a:fontRef idx="minor">
-          <a:schemeClr val="lt1"/>
-        </a:fontRef>
-      </dsp:style>
-      <dsp:txBody>
-        <a:bodyPr spcFirstLastPara="0" vert="horz" wrap="square" lIns="0" tIns="25400" rIns="0" bIns="25400" numCol="1" spcCol="1270" anchor="ctr" anchorCtr="0">
-          <a:noAutofit/>
-        </a:bodyPr>
-        <a:lstStyle/>
-        <a:p>
           <a:pPr marL="0" lvl="0" indent="0" algn="ctr" defTabSz="889000">
             <a:lnSpc>
               <a:spcPct val="90000"/>
@@ -1864,127 +1931,12 @@
             </a:spcAft>
             <a:buNone/>
           </a:pPr>
-          <a:r>
-            <a:rPr lang="en-US" sz="2000" kern="1200" dirty="0"/>
-            <a:t>Discard</a:t>
-          </a:r>
-        </a:p>
-        <a:p>
-          <a:pPr marL="0" lvl="0" indent="0" algn="ctr" defTabSz="889000">
-            <a:lnSpc>
-              <a:spcPct val="90000"/>
-            </a:lnSpc>
-            <a:spcBef>
-              <a:spcPct val="0"/>
-            </a:spcBef>
-            <a:spcAft>
-              <a:spcPct val="35000"/>
-            </a:spcAft>
-            <a:buNone/>
-          </a:pPr>
-          <a:r>
-            <a:rPr lang="en-US" sz="2000" kern="1200" dirty="0"/>
-            <a:t>or</a:t>
-          </a:r>
-        </a:p>
-        <a:p>
-          <a:pPr marL="0" lvl="0" indent="0" algn="ctr" defTabSz="889000">
-            <a:lnSpc>
-              <a:spcPct val="90000"/>
-            </a:lnSpc>
-            <a:spcBef>
-              <a:spcPct val="0"/>
-            </a:spcBef>
-            <a:spcAft>
-              <a:spcPct val="35000"/>
-            </a:spcAft>
-            <a:buNone/>
-          </a:pPr>
-          <a:r>
-            <a:rPr lang="en-US" sz="2000" kern="1200" dirty="0"/>
-            <a:t>Keep</a:t>
-          </a:r>
+          <a:endParaRPr lang="en-US" sz="2000" kern="1200"/>
         </a:p>
       </dsp:txBody>
       <dsp:txXfrm>
-        <a:off x="1511799" y="2022496"/>
-        <a:ext cx="1454736" cy="1412896"/>
-      </dsp:txXfrm>
-    </dsp:sp>
-    <dsp:sp modelId="{07AB3ADD-E4C5-A04D-B5B1-BE3942CAC30E}">
-      <dsp:nvSpPr>
-        <dsp:cNvPr id="0" name=""/>
-        <dsp:cNvSpPr/>
-      </dsp:nvSpPr>
-      <dsp:spPr>
-        <a:xfrm rot="18900000">
-          <a:off x="3017081" y="1445850"/>
-          <a:ext cx="416366" cy="593991"/>
-        </a:xfrm>
-        <a:prstGeom prst="rightArrow">
-          <a:avLst>
-            <a:gd name="adj1" fmla="val 60000"/>
-            <a:gd name="adj2" fmla="val 50000"/>
-          </a:avLst>
-        </a:prstGeom>
-        <a:solidFill>
-          <a:schemeClr val="accent5">
-            <a:tint val="60000"/>
-            <a:hueOff val="0"/>
-            <a:satOff val="0"/>
-            <a:lumOff val="0"/>
-            <a:alphaOff val="0"/>
-          </a:schemeClr>
-        </a:solidFill>
-        <a:ln>
-          <a:noFill/>
-        </a:ln>
-        <a:effectLst>
-          <a:outerShdw blurRad="40000" dist="20000" dir="5400000" rotWithShape="0">
-            <a:srgbClr val="000000">
-              <a:alpha val="38000"/>
-            </a:srgbClr>
-          </a:outerShdw>
-        </a:effectLst>
-      </dsp:spPr>
-      <dsp:style>
-        <a:lnRef idx="0">
-          <a:scrgbClr r="0" g="0" b="0"/>
-        </a:lnRef>
-        <a:fillRef idx="1">
-          <a:scrgbClr r="0" g="0" b="0"/>
-        </a:fillRef>
-        <a:effectRef idx="1">
-          <a:scrgbClr r="0" g="0" b="0"/>
-        </a:effectRef>
-        <a:fontRef idx="minor">
-          <a:schemeClr val="lt1"/>
-        </a:fontRef>
-      </dsp:style>
-      <dsp:txBody>
-        <a:bodyPr spcFirstLastPara="0" vert="horz" wrap="square" lIns="0" tIns="0" rIns="0" bIns="0" numCol="1" spcCol="1270" anchor="ctr" anchorCtr="0">
-          <a:noAutofit/>
-        </a:bodyPr>
-        <a:lstStyle/>
-        <a:p>
-          <a:pPr marL="0" lvl="0" indent="0" algn="ctr" defTabSz="1200150">
-            <a:lnSpc>
-              <a:spcPct val="90000"/>
-            </a:lnSpc>
-            <a:spcBef>
-              <a:spcPct val="0"/>
-            </a:spcBef>
-            <a:spcAft>
-              <a:spcPct val="35000"/>
-            </a:spcAft>
-            <a:buNone/>
-          </a:pPr>
-          <a:endParaRPr lang="en-US" sz="2700" kern="1200"/>
-        </a:p>
-      </dsp:txBody>
-      <dsp:txXfrm>
-        <a:off x="3035374" y="1608810"/>
-        <a:ext cx="291456" cy="356395"/>
+        <a:off x="2700749" y="1210934"/>
+        <a:ext cx="219675" cy="268372"/>
       </dsp:txXfrm>
     </dsp:sp>
   </dsp:spTree>
@@ -12759,7 +12711,7 @@
           <a:p>
             <a:r>
               <a:rPr lang="en-US" dirty="0"/>
-              <a:t>Features are hints you give your model</a:t>
+              <a:t>Features are hints/rules of thumb you give your model</a:t>
             </a:r>
           </a:p>
           <a:p>
@@ -12775,7 +12727,7 @@
           <a:p>
             <a:r>
               <a:rPr lang="en-US" dirty="0"/>
-              <a:t>Feature generation is probably the most important part of the machine learning process.</a:t>
+              <a:t>Feature generation is one of the most important part of the machine learning modeling process.</a:t>
             </a:r>
           </a:p>
           <a:p>
@@ -12784,7 +12736,7 @@
           <a:p>
             <a:r>
               <a:rPr lang="en-US" dirty="0"/>
-              <a:t>Complexity in features allows us to use less complex models that are faster to run, easier to understand and easier to maintain.</a:t>
+              <a:t>Complexity in features may allow us to use less complex models that are faster to run, easier to understand and easier to maintain.</a:t>
             </a:r>
           </a:p>
           <a:p>
@@ -12866,7 +12818,7 @@
           <a:p>
             <a:r>
               <a:rPr lang="en-US" dirty="0"/>
-              <a:t>What did you know and </a:t>
+              <a:t>When generating a feature, what did you know and </a:t>
             </a:r>
             <a:r>
               <a:rPr lang="en-US" b="1" u="sng" dirty="0"/>
@@ -12876,33 +12828,12 @@
               <a:rPr lang="en-US" dirty="0"/>
               <a:t> did you know it?</a:t>
             </a:r>
-            <a:br>
-              <a:rPr lang="en-US" dirty="0"/>
-            </a:br>
-            <a:endParaRPr lang="en-US" dirty="0"/>
-          </a:p>
-          <a:p>
+          </a:p>
+          <a:p>
+            <a:pPr lvl="1"/>
             <a:r>
               <a:rPr lang="en-US" dirty="0"/>
-              <a:t>Feature development is an </a:t>
-            </a:r>
-            <a:r>
-              <a:rPr lang="en-US" b="1" u="sng" dirty="0"/>
-              <a:t>iterative</a:t>
-            </a:r>
-            <a:r>
-              <a:rPr lang="en-US" dirty="0"/>
-              <a:t> process</a:t>
-            </a:r>
-            <a:br>
-              <a:rPr lang="en-US" dirty="0"/>
-            </a:br>
-            <a:endParaRPr lang="en-US" dirty="0"/>
-          </a:p>
-          <a:p>
-            <a:r>
-              <a:rPr lang="en-US" dirty="0"/>
-              <a:t>Start simple: build a couple features (from each data source) you think are most important and expand from there</a:t>
+              <a:t>You can only create features form information available before the “training” date for a given row</a:t>
             </a:r>
             <a:br>
               <a:rPr lang="en-US" dirty="0"/>
@@ -12972,7 +12903,15 @@
           <a:p>
             <a:r>
               <a:rPr lang="en-US" dirty="0"/>
-              <a:t>Feature Generation Process</a:t>
+              <a:t>Feature development is an </a:t>
+            </a:r>
+            <a:r>
+              <a:rPr lang="en-US" b="1" u="sng" dirty="0"/>
+              <a:t>iterative</a:t>
+            </a:r>
+            <a:r>
+              <a:rPr lang="en-US" dirty="0"/>
+              <a:t> process</a:t>
             </a:r>
           </a:p>
         </p:txBody>
@@ -12987,14 +12926,14 @@
             <p:ph idx="4294967295"/>
             <p:extLst>
               <p:ext uri="{D42A27DB-BD31-4B8C-83A1-F6EECF244321}">
-                <p14:modId xmlns:p14="http://schemas.microsoft.com/office/powerpoint/2010/main" val="2058958643"/>
+                <p14:modId xmlns:p14="http://schemas.microsoft.com/office/powerpoint/2010/main" val="2865556934"/>
               </p:ext>
             </p:extLst>
           </p:nvPr>
         </p:nvGraphicFramePr>
         <p:xfrm>
-          <a:off x="1990675" y="1060768"/>
-          <a:ext cx="8210550" cy="5502275"/>
+          <a:off x="1990675" y="2420472"/>
+          <a:ext cx="7013476" cy="4142572"/>
         </p:xfrm>
         <a:graphic>
           <a:graphicData uri="http://schemas.openxmlformats.org/drawingml/2006/diagram">
@@ -13002,6 +12941,45 @@
           </a:graphicData>
         </a:graphic>
       </p:graphicFrame>
+      <p:sp>
+        <p:nvSpPr>
+          <p:cNvPr id="2" name="Rectangle 1">
+            <a:extLst>
+              <a:ext uri="{FF2B5EF4-FFF2-40B4-BE49-F238E27FC236}">
+                <a16:creationId xmlns:a16="http://schemas.microsoft.com/office/drawing/2014/main" id="{62AA2596-889F-CA4A-81F2-861C7AF734E0}"/>
+              </a:ext>
+            </a:extLst>
+          </p:cNvPr>
+          <p:cNvSpPr/>
+          <p:nvPr/>
+        </p:nvSpPr>
+        <p:spPr>
+          <a:xfrm>
+            <a:off x="347830" y="1530907"/>
+            <a:ext cx="11360699" cy="1015663"/>
+          </a:xfrm>
+          <a:prstGeom prst="rect">
+            <a:avLst/>
+          </a:prstGeom>
+        </p:spPr>
+        <p:txBody>
+          <a:bodyPr wrap="square">
+            <a:spAutoFit/>
+          </a:bodyPr>
+          <a:lstStyle/>
+          <a:p>
+            <a:pPr lvl="1"/>
+            <a:r>
+              <a:rPr lang="en-US" sz="2000" dirty="0"/>
+              <a:t>Start simple: build a couple features (from each data source) you think are most important and expand from there</a:t>
+            </a:r>
+            <a:br>
+              <a:rPr lang="en-US" sz="2000" dirty="0"/>
+            </a:br>
+            <a:endParaRPr lang="en-US" sz="2000" dirty="0"/>
+          </a:p>
+        </p:txBody>
+      </p:sp>
     </p:spTree>
     <p:extLst>
       <p:ext uri="{BB962C8B-B14F-4D97-AF65-F5344CB8AC3E}">

--- a/05 - Features/features-and-imputation.pptx
+++ b/05 - Features/features-and-imputation.pptx
@@ -5,7 +5,7 @@
     <p:sldMasterId id="2147483648" r:id="rId1"/>
   </p:sldMasterIdLst>
   <p:notesMasterIdLst>
-    <p:notesMasterId r:id="rId26"/>
+    <p:notesMasterId r:id="rId27"/>
   </p:notesMasterIdLst>
   <p:sldIdLst>
     <p:sldId id="256" r:id="rId2"/>
@@ -31,7 +31,8 @@
     <p:sldId id="316" r:id="rId22"/>
     <p:sldId id="315" r:id="rId23"/>
     <p:sldId id="317" r:id="rId24"/>
-    <p:sldId id="295" r:id="rId25"/>
+    <p:sldId id="322" r:id="rId25"/>
+    <p:sldId id="295" r:id="rId26"/>
   </p:sldIdLst>
   <p:sldSz cx="12192000" cy="6858000"/>
   <p:notesSz cx="6858000" cy="9144000"/>
@@ -269,7 +270,7 @@
       <p15:sldGuideLst xmlns:p15="http://schemas.microsoft.com/office/powerpoint/2012/main"/>
     </p:ext>
     <p:ext uri="http://customooxmlschemas.google.com/">
-      <go:slidesCustomData xmlns="" xmlns:mc="http://schemas.openxmlformats.org/markup-compatibility/2006" xmlns:mv="urn:schemas-microsoft-com:mac:vml" xmlns:c="http://schemas.openxmlformats.org/drawingml/2006/chart" xmlns:dgm="http://schemas.openxmlformats.org/drawingml/2006/diagram" xmlns:o="urn:schemas-microsoft-com:office:office" xmlns:v="urn:schemas-microsoft-com:vml" xmlns:pvml="urn:schemas-microsoft-com:office:powerpoint" xmlns:com="http://schemas.openxmlformats.org/drawingml/2006/compatibility" xmlns:p14="http://schemas.microsoft.com/office/powerpoint/2010/main" xmlns:p15="http://schemas.microsoft.com/office/powerpoint/2012/main" xmlns:go="http://customooxmlschemas.google.com/" r:id="rId40" roundtripDataSignature="AMtx7mjFyVUGRZWio+dc9dxzYsimUxNJbg=="/>
+      <go:slidesCustomData xmlns:go="http://customooxmlschemas.google.com/" xmlns:p15="http://schemas.microsoft.com/office/powerpoint/2012/main" xmlns:p14="http://schemas.microsoft.com/office/powerpoint/2010/main" xmlns:com="http://schemas.openxmlformats.org/drawingml/2006/compatibility" xmlns:pvml="urn:schemas-microsoft-com:office:powerpoint" xmlns:v="urn:schemas-microsoft-com:vml" xmlns:o="urn:schemas-microsoft-com:office:office" xmlns:dgm="http://schemas.openxmlformats.org/drawingml/2006/diagram" xmlns:c="http://schemas.openxmlformats.org/drawingml/2006/chart" xmlns:mv="urn:schemas-microsoft-com:mac:vml" xmlns:mc="http://schemas.openxmlformats.org/markup-compatibility/2006" xmlns="" r:id="rId40" roundtripDataSignature="AMtx7mjFyVUGRZWio+dc9dxzYsimUxNJbg=="/>
     </p:ext>
   </p:extLst>
 </p:presentation>
@@ -10682,14 +10683,19 @@
             <p:ph type="title"/>
           </p:nvPr>
         </p:nvSpPr>
-        <p:spPr/>
+        <p:spPr>
+          <a:xfrm>
+            <a:off x="-107576" y="367459"/>
+            <a:ext cx="12299576" cy="763500"/>
+          </a:xfrm>
+        </p:spPr>
         <p:txBody>
           <a:bodyPr/>
           <a:lstStyle/>
           <a:p>
             <a:r>
               <a:rPr lang="en-US" dirty="0"/>
-              <a:t>Is Scaling Important For…</a:t>
+              <a:t>Question for class discussion:  Is Scaling Important for…</a:t>
             </a:r>
           </a:p>
         </p:txBody>
@@ -10742,6 +10748,15 @@
             <a:r>
               <a:rPr lang="en-US" dirty="0"/>
               <a:t>Logistic Regression?</a:t>
+            </a:r>
+          </a:p>
+          <a:p>
+            <a:endParaRPr lang="en-US" dirty="0"/>
+          </a:p>
+          <a:p>
+            <a:r>
+              <a:rPr lang="en-US" dirty="0"/>
+              <a:t>Neural Nets?</a:t>
             </a:r>
           </a:p>
           <a:p>
@@ -11222,14 +11237,19 @@
             <p:ph type="title"/>
           </p:nvPr>
         </p:nvSpPr>
-        <p:spPr/>
+        <p:spPr>
+          <a:xfrm>
+            <a:off x="415600" y="120028"/>
+            <a:ext cx="11360700" cy="763500"/>
+          </a:xfrm>
+        </p:spPr>
         <p:txBody>
           <a:bodyPr/>
           <a:lstStyle/>
           <a:p>
             <a:r>
               <a:rPr lang="en-US" dirty="0"/>
-              <a:t>Features are also model-dependent</a:t>
+              <a:t>Question for class discussion: Features are also model-dependent</a:t>
             </a:r>
           </a:p>
         </p:txBody>
@@ -11270,7 +11290,7 @@
           <a:p>
             <a:r>
               <a:rPr lang="en-US" dirty="0"/>
-              <a:t>Decision trees may need …?</a:t>
+              <a:t>Non-linear models may need …?</a:t>
             </a:r>
           </a:p>
           <a:p>
@@ -12562,6 +12582,119 @@
       </p:grpSpPr>
       <p:sp>
         <p:nvSpPr>
+          <p:cNvPr id="2" name="Title 1">
+            <a:extLst>
+              <a:ext uri="{FF2B5EF4-FFF2-40B4-BE49-F238E27FC236}">
+                <a16:creationId xmlns:a16="http://schemas.microsoft.com/office/drawing/2014/main" id="{D5568ADA-C1EF-2741-BD8A-A472FF070613}"/>
+              </a:ext>
+            </a:extLst>
+          </p:cNvPr>
+          <p:cNvSpPr>
+            <a:spLocks noGrp="1"/>
+          </p:cNvSpPr>
+          <p:nvPr>
+            <p:ph type="title"/>
+          </p:nvPr>
+        </p:nvSpPr>
+        <p:spPr/>
+        <p:txBody>
+          <a:bodyPr/>
+          <a:lstStyle/>
+          <a:p>
+            <a:r>
+              <a:rPr lang="en-US" dirty="0"/>
+              <a:t>Missing Value Tips</a:t>
+            </a:r>
+          </a:p>
+        </p:txBody>
+      </p:sp>
+      <p:sp>
+        <p:nvSpPr>
+          <p:cNvPr id="3" name="Text Placeholder 2">
+            <a:extLst>
+              <a:ext uri="{FF2B5EF4-FFF2-40B4-BE49-F238E27FC236}">
+                <a16:creationId xmlns:a16="http://schemas.microsoft.com/office/drawing/2014/main" id="{D88AE774-4907-F841-8BD3-E9ECDB6BD8E8}"/>
+              </a:ext>
+            </a:extLst>
+          </p:cNvPr>
+          <p:cNvSpPr>
+            <a:spLocks noGrp="1"/>
+          </p:cNvSpPr>
+          <p:nvPr>
+            <p:ph type="body" idx="1"/>
+          </p:nvPr>
+        </p:nvSpPr>
+        <p:spPr/>
+        <p:txBody>
+          <a:bodyPr/>
+          <a:lstStyle/>
+          <a:p>
+            <a:r>
+              <a:rPr lang="en-US" dirty="0"/>
+              <a:t>Do not remove rows or columns with missing values (unless there is a really really really good reason)</a:t>
+            </a:r>
+          </a:p>
+          <a:p>
+            <a:endParaRPr lang="en-US" dirty="0"/>
+          </a:p>
+          <a:p>
+            <a:r>
+              <a:rPr lang="en-US" dirty="0"/>
+              <a:t>Missingness can be a useful predictor: create a flag even if you impute a value</a:t>
+            </a:r>
+          </a:p>
+          <a:p>
+            <a:endParaRPr lang="en-US" dirty="0"/>
+          </a:p>
+          <a:p>
+            <a:r>
+              <a:rPr lang="en-US" dirty="0"/>
+              <a:t>Data can be missing for different reasons and missingness for each row/column/cell may need to be handled differently</a:t>
+            </a:r>
+          </a:p>
+          <a:p>
+            <a:endParaRPr lang="en-US" dirty="0"/>
+          </a:p>
+          <a:p>
+            <a:r>
+              <a:rPr lang="en-US" dirty="0"/>
+              <a:t>Only use data from the past for imputation</a:t>
+            </a:r>
+          </a:p>
+        </p:txBody>
+      </p:sp>
+    </p:spTree>
+    <p:extLst>
+      <p:ext uri="{BB962C8B-B14F-4D97-AF65-F5344CB8AC3E}">
+        <p14:creationId xmlns:p14="http://schemas.microsoft.com/office/powerpoint/2010/main" val="2557082716"/>
+      </p:ext>
+    </p:extLst>
+  </p:cSld>
+  <p:clrMapOvr>
+    <a:masterClrMapping/>
+  </p:clrMapOvr>
+</p:sld>
+</file>
+
+<file path=ppt/slides/slide25.xml><?xml version="1.0" encoding="utf-8"?>
+<p:sld xmlns:a="http://schemas.openxmlformats.org/drawingml/2006/main" xmlns:r="http://schemas.openxmlformats.org/officeDocument/2006/relationships" xmlns:p="http://schemas.openxmlformats.org/presentationml/2006/main">
+  <p:cSld>
+    <p:spTree>
+      <p:nvGrpSpPr>
+        <p:cNvPr id="1" name=""/>
+        <p:cNvGrpSpPr/>
+        <p:nvPr/>
+      </p:nvGrpSpPr>
+      <p:grpSpPr>
+        <a:xfrm>
+          <a:off x="0" y="0"/>
+          <a:ext cx="0" cy="0"/>
+          <a:chOff x="0" y="0"/>
+          <a:chExt cx="0" cy="0"/>
+        </a:xfrm>
+      </p:grpSpPr>
+      <p:sp>
+        <p:nvSpPr>
           <p:cNvPr id="3" name="Title 2">
             <a:extLst>
               <a:ext uri="{FF2B5EF4-FFF2-40B4-BE49-F238E27FC236}">
@@ -12833,7 +12966,19 @@
             <a:pPr lvl="1"/>
             <a:r>
               <a:rPr lang="en-US" dirty="0"/>
-              <a:t>You can only create features form information available before the “training” date for a given row</a:t>
+              <a:t>You can only create features form information available </a:t>
+            </a:r>
+            <a:r>
+              <a:rPr lang="en-US" sz="3200" b="1" dirty="0">
+                <a:solidFill>
+                  <a:srgbClr val="FF0000"/>
+                </a:solidFill>
+              </a:rPr>
+              <a:t>before</a:t>
+            </a:r>
+            <a:r>
+              <a:rPr lang="en-US" dirty="0"/>
+              <a:t> the “training” date for a given row</a:t>
             </a:r>
             <a:br>
               <a:rPr lang="en-US" dirty="0"/>
@@ -12906,7 +13051,7 @@
               <a:t>Feature development is an </a:t>
             </a:r>
             <a:r>
-              <a:rPr lang="en-US" b="1" u="sng" dirty="0"/>
+              <a:rPr lang="en-US" b="1" dirty="0"/>
               <a:t>iterative</a:t>
             </a:r>
             <a:r>
@@ -13372,21 +13517,21 @@
           </a:p>
           <a:p>
             <a:r>
-              <a:rPr lang="en-US" dirty="0"/>
+              <a:rPr lang="en-US" b="1" dirty="0"/>
               <a:t>Aggregations (space, time, space and time)</a:t>
             </a:r>
           </a:p>
           <a:p>
             <a:r>
-              <a:rPr lang="en-US" dirty="0"/>
+              <a:rPr lang="en-US" b="1" dirty="0"/>
               <a:t>Relative (compared to the average</a:t>
             </a:r>
             <a:r>
-              <a:rPr lang="mr-IN" dirty="0"/>
+              <a:rPr lang="mr-IN" b="1" dirty="0"/>
               <a:t>…</a:t>
             </a:r>
             <a:r>
-              <a:rPr lang="en-US" dirty="0"/>
+              <a:rPr lang="en-US" b="1" dirty="0"/>
               <a:t>)</a:t>
             </a:r>
           </a:p>
